--- a/Aegiverse_GUI/HINS/HINS_Ver3.0/doc/架構.pptx
+++ b/Aegiverse_GUI/HINS/HINS_Ver3.0/doc/架構.pptx
@@ -13,6 +13,9 @@
     <p:sldId id="261" r:id="rId7"/>
     <p:sldId id="262" r:id="rId8"/>
     <p:sldId id="263" r:id="rId9"/>
+    <p:sldId id="267" r:id="rId10"/>
+    <p:sldId id="265" r:id="rId11"/>
+    <p:sldId id="266" r:id="rId12"/>
   </p:sldIdLst>
   <p:sldSz cx="12192000" cy="6858000"/>
   <p:notesSz cx="6858000" cy="9144000"/>
@@ -266,7 +269,7 @@
           <a:p>
             <a:fld id="{4516AC0A-F303-42D8-B4CD-3FE8AA5F7474}" type="datetimeFigureOut">
               <a:rPr lang="zh-TW" altLang="en-US" smtClean="0"/>
-              <a:t>2026/1/18</a:t>
+              <a:t>2026/1/31</a:t>
             </a:fld>
             <a:endParaRPr lang="zh-TW" altLang="en-US"/>
           </a:p>
@@ -464,7 +467,7 @@
           <a:p>
             <a:fld id="{4516AC0A-F303-42D8-B4CD-3FE8AA5F7474}" type="datetimeFigureOut">
               <a:rPr lang="zh-TW" altLang="en-US" smtClean="0"/>
-              <a:t>2026/1/18</a:t>
+              <a:t>2026/1/31</a:t>
             </a:fld>
             <a:endParaRPr lang="zh-TW" altLang="en-US"/>
           </a:p>
@@ -672,7 +675,7 @@
           <a:p>
             <a:fld id="{4516AC0A-F303-42D8-B4CD-3FE8AA5F7474}" type="datetimeFigureOut">
               <a:rPr lang="zh-TW" altLang="en-US" smtClean="0"/>
-              <a:t>2026/1/18</a:t>
+              <a:t>2026/1/31</a:t>
             </a:fld>
             <a:endParaRPr lang="zh-TW" altLang="en-US"/>
           </a:p>
@@ -870,7 +873,7 @@
           <a:p>
             <a:fld id="{4516AC0A-F303-42D8-B4CD-3FE8AA5F7474}" type="datetimeFigureOut">
               <a:rPr lang="zh-TW" altLang="en-US" smtClean="0"/>
-              <a:t>2026/1/18</a:t>
+              <a:t>2026/1/31</a:t>
             </a:fld>
             <a:endParaRPr lang="zh-TW" altLang="en-US"/>
           </a:p>
@@ -1145,7 +1148,7 @@
           <a:p>
             <a:fld id="{4516AC0A-F303-42D8-B4CD-3FE8AA5F7474}" type="datetimeFigureOut">
               <a:rPr lang="zh-TW" altLang="en-US" smtClean="0"/>
-              <a:t>2026/1/18</a:t>
+              <a:t>2026/1/31</a:t>
             </a:fld>
             <a:endParaRPr lang="zh-TW" altLang="en-US"/>
           </a:p>
@@ -1410,7 +1413,7 @@
           <a:p>
             <a:fld id="{4516AC0A-F303-42D8-B4CD-3FE8AA5F7474}" type="datetimeFigureOut">
               <a:rPr lang="zh-TW" altLang="en-US" smtClean="0"/>
-              <a:t>2026/1/18</a:t>
+              <a:t>2026/1/31</a:t>
             </a:fld>
             <a:endParaRPr lang="zh-TW" altLang="en-US"/>
           </a:p>
@@ -1822,7 +1825,7 @@
           <a:p>
             <a:fld id="{4516AC0A-F303-42D8-B4CD-3FE8AA5F7474}" type="datetimeFigureOut">
               <a:rPr lang="zh-TW" altLang="en-US" smtClean="0"/>
-              <a:t>2026/1/18</a:t>
+              <a:t>2026/1/31</a:t>
             </a:fld>
             <a:endParaRPr lang="zh-TW" altLang="en-US"/>
           </a:p>
@@ -1963,7 +1966,7 @@
           <a:p>
             <a:fld id="{4516AC0A-F303-42D8-B4CD-3FE8AA5F7474}" type="datetimeFigureOut">
               <a:rPr lang="zh-TW" altLang="en-US" smtClean="0"/>
-              <a:t>2026/1/18</a:t>
+              <a:t>2026/1/31</a:t>
             </a:fld>
             <a:endParaRPr lang="zh-TW" altLang="en-US"/>
           </a:p>
@@ -2076,7 +2079,7 @@
           <a:p>
             <a:fld id="{4516AC0A-F303-42D8-B4CD-3FE8AA5F7474}" type="datetimeFigureOut">
               <a:rPr lang="zh-TW" altLang="en-US" smtClean="0"/>
-              <a:t>2026/1/18</a:t>
+              <a:t>2026/1/31</a:t>
             </a:fld>
             <a:endParaRPr lang="zh-TW" altLang="en-US"/>
           </a:p>
@@ -2387,7 +2390,7 @@
           <a:p>
             <a:fld id="{4516AC0A-F303-42D8-B4CD-3FE8AA5F7474}" type="datetimeFigureOut">
               <a:rPr lang="zh-TW" altLang="en-US" smtClean="0"/>
-              <a:t>2026/1/18</a:t>
+              <a:t>2026/1/31</a:t>
             </a:fld>
             <a:endParaRPr lang="zh-TW" altLang="en-US"/>
           </a:p>
@@ -2675,7 +2678,7 @@
           <a:p>
             <a:fld id="{4516AC0A-F303-42D8-B4CD-3FE8AA5F7474}" type="datetimeFigureOut">
               <a:rPr lang="zh-TW" altLang="en-US" smtClean="0"/>
-              <a:t>2026/1/18</a:t>
+              <a:t>2026/1/31</a:t>
             </a:fld>
             <a:endParaRPr lang="zh-TW" altLang="en-US"/>
           </a:p>
@@ -2916,7 +2919,7 @@
           <a:p>
             <a:fld id="{4516AC0A-F303-42D8-B4CD-3FE8AA5F7474}" type="datetimeFigureOut">
               <a:rPr lang="zh-TW" altLang="en-US" smtClean="0"/>
-              <a:t>2026/1/18</a:t>
+              <a:t>2026/1/31</a:t>
             </a:fld>
             <a:endParaRPr lang="zh-TW" altLang="en-US"/>
           </a:p>
@@ -3382,6 +3385,258 @@
 </p:sld>
 </file>
 
+<file path=ppt/slides/slide10.xml><?xml version="1.0" encoding="utf-8"?>
+<p:sld xmlns:a="http://schemas.openxmlformats.org/drawingml/2006/main" xmlns:r="http://schemas.openxmlformats.org/officeDocument/2006/relationships" xmlns:p="http://schemas.openxmlformats.org/presentationml/2006/main">
+  <p:cSld>
+    <p:spTree>
+      <p:nvGrpSpPr>
+        <p:cNvPr id="1" name="">
+          <a:extLst>
+            <a:ext uri="{FF2B5EF4-FFF2-40B4-BE49-F238E27FC236}">
+              <a16:creationId xmlns:a16="http://schemas.microsoft.com/office/drawing/2014/main" id="{E208CBCA-3D39-A3F3-C495-36A7DB7AA77F}"/>
+            </a:ext>
+          </a:extLst>
+        </p:cNvPr>
+        <p:cNvGrpSpPr/>
+        <p:nvPr/>
+      </p:nvGrpSpPr>
+      <p:grpSpPr>
+        <a:xfrm>
+          <a:off x="0" y="0"/>
+          <a:ext cx="0" cy="0"/>
+          <a:chOff x="0" y="0"/>
+          <a:chExt cx="0" cy="0"/>
+        </a:xfrm>
+      </p:grpSpPr>
+      <p:pic>
+        <p:nvPicPr>
+          <p:cNvPr id="3" name="圖片 2" descr="一張含有 文字, 螢幕擷取畫面, 字型, 數字 的圖片&#10;&#10;AI 產生的內容可能不正確。">
+            <a:extLst>
+              <a:ext uri="{FF2B5EF4-FFF2-40B4-BE49-F238E27FC236}">
+                <a16:creationId xmlns:a16="http://schemas.microsoft.com/office/drawing/2014/main" id="{6DC34A29-B920-E384-A2E0-950BE5DE2342}"/>
+              </a:ext>
+            </a:extLst>
+          </p:cNvPr>
+          <p:cNvPicPr>
+            <a:picLocks noChangeAspect="1"/>
+          </p:cNvPicPr>
+          <p:nvPr/>
+        </p:nvPicPr>
+        <p:blipFill>
+          <a:blip r:embed="rId2"/>
+          <a:stretch>
+            <a:fillRect/>
+          </a:stretch>
+        </p:blipFill>
+        <p:spPr>
+          <a:xfrm>
+            <a:off x="396854" y="450278"/>
+            <a:ext cx="2200582" cy="1286054"/>
+          </a:xfrm>
+          <a:prstGeom prst="rect">
+            <a:avLst/>
+          </a:prstGeom>
+        </p:spPr>
+      </p:pic>
+      <p:pic>
+        <p:nvPicPr>
+          <p:cNvPr id="5" name="圖片 4" descr="一張含有 文字, 螢幕擷取畫面, 字型, 數字 的圖片&#10;&#10;AI 產生的內容可能不正確。">
+            <a:extLst>
+              <a:ext uri="{FF2B5EF4-FFF2-40B4-BE49-F238E27FC236}">
+                <a16:creationId xmlns:a16="http://schemas.microsoft.com/office/drawing/2014/main" id="{C34AC946-6F3C-583C-1396-AB4087A5BEFF}"/>
+              </a:ext>
+            </a:extLst>
+          </p:cNvPr>
+          <p:cNvPicPr>
+            <a:picLocks noChangeAspect="1"/>
+          </p:cNvPicPr>
+          <p:nvPr/>
+        </p:nvPicPr>
+        <p:blipFill>
+          <a:blip r:embed="rId3"/>
+          <a:stretch>
+            <a:fillRect/>
+          </a:stretch>
+        </p:blipFill>
+        <p:spPr>
+          <a:xfrm>
+            <a:off x="393541" y="2148185"/>
+            <a:ext cx="4248743" cy="1667108"/>
+          </a:xfrm>
+          <a:prstGeom prst="rect">
+            <a:avLst/>
+          </a:prstGeom>
+        </p:spPr>
+      </p:pic>
+      <p:pic>
+        <p:nvPicPr>
+          <p:cNvPr id="9" name="圖片 8" descr="一張含有 文字, 螢幕擷取畫面, 字型, 數字 的圖片&#10;&#10;AI 產生的內容可能不正確。">
+            <a:extLst>
+              <a:ext uri="{FF2B5EF4-FFF2-40B4-BE49-F238E27FC236}">
+                <a16:creationId xmlns:a16="http://schemas.microsoft.com/office/drawing/2014/main" id="{91C43FB6-B5C2-4883-BEE0-AC309D4C17F9}"/>
+              </a:ext>
+            </a:extLst>
+          </p:cNvPr>
+          <p:cNvPicPr>
+            <a:picLocks noChangeAspect="1"/>
+          </p:cNvPicPr>
+          <p:nvPr/>
+        </p:nvPicPr>
+        <p:blipFill>
+          <a:blip r:embed="rId4"/>
+          <a:stretch>
+            <a:fillRect/>
+          </a:stretch>
+        </p:blipFill>
+        <p:spPr>
+          <a:xfrm>
+            <a:off x="6376771" y="420461"/>
+            <a:ext cx="3096057" cy="1552792"/>
+          </a:xfrm>
+          <a:prstGeom prst="rect">
+            <a:avLst/>
+          </a:prstGeom>
+        </p:spPr>
+      </p:pic>
+      <p:pic>
+        <p:nvPicPr>
+          <p:cNvPr id="11" name="圖片 10" descr="一張含有 文字, 數字, 平行, 螢幕擷取畫面 的圖片&#10;&#10;AI 產生的內容可能不正確。">
+            <a:extLst>
+              <a:ext uri="{FF2B5EF4-FFF2-40B4-BE49-F238E27FC236}">
+                <a16:creationId xmlns:a16="http://schemas.microsoft.com/office/drawing/2014/main" id="{D4FC0564-92C9-F5F3-F63B-0E795A1B4C40}"/>
+              </a:ext>
+            </a:extLst>
+          </p:cNvPr>
+          <p:cNvPicPr>
+            <a:picLocks noChangeAspect="1"/>
+          </p:cNvPicPr>
+          <p:nvPr/>
+        </p:nvPicPr>
+        <p:blipFill>
+          <a:blip r:embed="rId5"/>
+          <a:stretch>
+            <a:fillRect/>
+          </a:stretch>
+        </p:blipFill>
+        <p:spPr>
+          <a:xfrm>
+            <a:off x="5737908" y="2148185"/>
+            <a:ext cx="5222661" cy="4444468"/>
+          </a:xfrm>
+          <a:prstGeom prst="rect">
+            <a:avLst/>
+          </a:prstGeom>
+        </p:spPr>
+      </p:pic>
+    </p:spTree>
+    <p:extLst>
+      <p:ext uri="{BB962C8B-B14F-4D97-AF65-F5344CB8AC3E}">
+        <p14:creationId xmlns:p14="http://schemas.microsoft.com/office/powerpoint/2010/main" val="1747294041"/>
+      </p:ext>
+    </p:extLst>
+  </p:cSld>
+  <p:clrMapOvr>
+    <a:masterClrMapping/>
+  </p:clrMapOvr>
+</p:sld>
+</file>
+
+<file path=ppt/slides/slide11.xml><?xml version="1.0" encoding="utf-8"?>
+<p:sld xmlns:a="http://schemas.openxmlformats.org/drawingml/2006/main" xmlns:r="http://schemas.openxmlformats.org/officeDocument/2006/relationships" xmlns:p="http://schemas.openxmlformats.org/presentationml/2006/main">
+  <p:cSld>
+    <p:spTree>
+      <p:nvGrpSpPr>
+        <p:cNvPr id="1" name="">
+          <a:extLst>
+            <a:ext uri="{FF2B5EF4-FFF2-40B4-BE49-F238E27FC236}">
+              <a16:creationId xmlns:a16="http://schemas.microsoft.com/office/drawing/2014/main" id="{BD9F0F04-EE37-E2ED-FA73-CE489CB443B9}"/>
+            </a:ext>
+          </a:extLst>
+        </p:cNvPr>
+        <p:cNvGrpSpPr/>
+        <p:nvPr/>
+      </p:nvGrpSpPr>
+      <p:grpSpPr>
+        <a:xfrm>
+          <a:off x="0" y="0"/>
+          <a:ext cx="0" cy="0"/>
+          <a:chOff x="0" y="0"/>
+          <a:chExt cx="0" cy="0"/>
+        </a:xfrm>
+      </p:grpSpPr>
+      <p:pic>
+        <p:nvPicPr>
+          <p:cNvPr id="3" name="圖片 2" descr="一張含有 文字, 電子產品, 螢幕擷取畫面, 軟體 的圖片&#10;&#10;AI 產生的內容可能不正確。">
+            <a:extLst>
+              <a:ext uri="{FF2B5EF4-FFF2-40B4-BE49-F238E27FC236}">
+                <a16:creationId xmlns:a16="http://schemas.microsoft.com/office/drawing/2014/main" id="{DF7A6C14-98D3-E01A-1EA8-4A5164447FB5}"/>
+              </a:ext>
+            </a:extLst>
+          </p:cNvPr>
+          <p:cNvPicPr>
+            <a:picLocks noChangeAspect="1"/>
+          </p:cNvPicPr>
+          <p:nvPr/>
+        </p:nvPicPr>
+        <p:blipFill>
+          <a:blip r:embed="rId2"/>
+          <a:stretch>
+            <a:fillRect/>
+          </a:stretch>
+        </p:blipFill>
+        <p:spPr>
+          <a:xfrm>
+            <a:off x="2690528" y="0"/>
+            <a:ext cx="9501472" cy="6858000"/>
+          </a:xfrm>
+          <a:prstGeom prst="rect">
+            <a:avLst/>
+          </a:prstGeom>
+        </p:spPr>
+      </p:pic>
+      <p:pic>
+        <p:nvPicPr>
+          <p:cNvPr id="5" name="圖片 4" descr="一張含有 文字, 螢幕擷取畫面, 字型, 數字 的圖片&#10;&#10;AI 產生的內容可能不正確。">
+            <a:extLst>
+              <a:ext uri="{FF2B5EF4-FFF2-40B4-BE49-F238E27FC236}">
+                <a16:creationId xmlns:a16="http://schemas.microsoft.com/office/drawing/2014/main" id="{9128DC74-E773-E579-FE63-CD99E357449F}"/>
+              </a:ext>
+            </a:extLst>
+          </p:cNvPr>
+          <p:cNvPicPr>
+            <a:picLocks noChangeAspect="1"/>
+          </p:cNvPicPr>
+          <p:nvPr/>
+        </p:nvPicPr>
+        <p:blipFill>
+          <a:blip r:embed="rId3"/>
+          <a:stretch>
+            <a:fillRect/>
+          </a:stretch>
+        </p:blipFill>
+        <p:spPr>
+          <a:xfrm>
+            <a:off x="248478" y="900593"/>
+            <a:ext cx="2216426" cy="1128863"/>
+          </a:xfrm>
+          <a:prstGeom prst="rect">
+            <a:avLst/>
+          </a:prstGeom>
+        </p:spPr>
+      </p:pic>
+    </p:spTree>
+    <p:extLst>
+      <p:ext uri="{BB962C8B-B14F-4D97-AF65-F5344CB8AC3E}">
+        <p14:creationId xmlns:p14="http://schemas.microsoft.com/office/powerpoint/2010/main" val="86192755"/>
+      </p:ext>
+    </p:extLst>
+  </p:cSld>
+  <p:clrMapOvr>
+    <a:masterClrMapping/>
+  </p:clrMapOvr>
+</p:sld>
+</file>
+
 <file path=ppt/slides/slide2.xml><?xml version="1.0" encoding="utf-8"?>
 <p:sld xmlns:a="http://schemas.openxmlformats.org/drawingml/2006/main" xmlns:r="http://schemas.openxmlformats.org/officeDocument/2006/relationships" xmlns:p="http://schemas.openxmlformats.org/presentationml/2006/main">
   <p:cSld>
@@ -3729,6 +3984,1683 @@
           <a:chExt cx="0" cy="0"/>
         </a:xfrm>
       </p:grpSpPr>
+      <p:pic>
+        <p:nvPicPr>
+          <p:cNvPr id="3" name="圖片 2" descr="一張含有 文字, 螢幕擷取畫面, 字型, 功能表 的圖片&#10;&#10;AI 產生的內容可能不正確。">
+            <a:extLst>
+              <a:ext uri="{FF2B5EF4-FFF2-40B4-BE49-F238E27FC236}">
+                <a16:creationId xmlns:a16="http://schemas.microsoft.com/office/drawing/2014/main" id="{30E28FB0-AF5E-0C76-5A24-E61554948322}"/>
+              </a:ext>
+            </a:extLst>
+          </p:cNvPr>
+          <p:cNvPicPr>
+            <a:picLocks noChangeAspect="1"/>
+          </p:cNvPicPr>
+          <p:nvPr/>
+        </p:nvPicPr>
+        <p:blipFill>
+          <a:blip r:embed="rId2"/>
+          <a:stretch>
+            <a:fillRect/>
+          </a:stretch>
+        </p:blipFill>
+        <p:spPr>
+          <a:xfrm>
+            <a:off x="9175559" y="0"/>
+            <a:ext cx="2805977" cy="6858000"/>
+          </a:xfrm>
+          <a:prstGeom prst="rect">
+            <a:avLst/>
+          </a:prstGeom>
+        </p:spPr>
+      </p:pic>
+      <p:sp>
+        <p:nvSpPr>
+          <p:cNvPr id="4" name="矩形 3">
+            <a:extLst>
+              <a:ext uri="{FF2B5EF4-FFF2-40B4-BE49-F238E27FC236}">
+                <a16:creationId xmlns:a16="http://schemas.microsoft.com/office/drawing/2014/main" id="{3C0CA094-F44D-655E-B934-F98F0A2972AF}"/>
+              </a:ext>
+            </a:extLst>
+          </p:cNvPr>
+          <p:cNvSpPr/>
+          <p:nvPr/>
+        </p:nvSpPr>
+        <p:spPr>
+          <a:xfrm>
+            <a:off x="315994" y="2693779"/>
+            <a:ext cx="2186609" cy="3791779"/>
+          </a:xfrm>
+          <a:prstGeom prst="rect">
+            <a:avLst/>
+          </a:prstGeom>
+          <a:solidFill>
+            <a:schemeClr val="bg1"/>
+          </a:solidFill>
+        </p:spPr>
+        <p:style>
+          <a:lnRef idx="2">
+            <a:schemeClr val="accent1">
+              <a:shade val="15000"/>
+            </a:schemeClr>
+          </a:lnRef>
+          <a:fillRef idx="1">
+            <a:schemeClr val="accent1"/>
+          </a:fillRef>
+          <a:effectRef idx="0">
+            <a:schemeClr val="accent1"/>
+          </a:effectRef>
+          <a:fontRef idx="minor">
+            <a:schemeClr val="lt1"/>
+          </a:fontRef>
+        </p:style>
+        <p:txBody>
+          <a:bodyPr rtlCol="0" anchor="ctr"/>
+          <a:lstStyle/>
+          <a:p>
+            <a:pPr algn="ctr"/>
+            <a:r>
+              <a:rPr lang="en-US" altLang="zh-TW" dirty="0">
+                <a:solidFill>
+                  <a:sysClr val="windowText" lastClr="000000"/>
+                </a:solidFill>
+              </a:rPr>
+              <a:t>main.py</a:t>
+            </a:r>
+          </a:p>
+          <a:p>
+            <a:pPr algn="ctr"/>
+            <a:endParaRPr lang="en-US" altLang="zh-TW" dirty="0">
+              <a:solidFill>
+                <a:sysClr val="windowText" lastClr="000000"/>
+              </a:solidFill>
+            </a:endParaRPr>
+          </a:p>
+          <a:p>
+            <a:pPr algn="ctr"/>
+            <a:r>
+              <a:rPr lang="zh-TW" altLang="en-US" dirty="0">
+                <a:solidFill>
+                  <a:sysClr val="windowText" lastClr="000000"/>
+                </a:solidFill>
+              </a:rPr>
+              <a:t>主執行檔案，負責接收來自各個 </a:t>
+            </a:r>
+            <a:r>
+              <a:rPr lang="en-US" altLang="zh-TW" dirty="0">
+                <a:solidFill>
+                  <a:sysClr val="windowText" lastClr="000000"/>
+                </a:solidFill>
+              </a:rPr>
+              <a:t>reader </a:t>
+            </a:r>
+            <a:r>
+              <a:rPr lang="zh-TW" altLang="en-US" dirty="0">
+                <a:solidFill>
+                  <a:sysClr val="windowText" lastClr="000000"/>
+                </a:solidFill>
+              </a:rPr>
+              <a:t>的 </a:t>
+            </a:r>
+            <a:r>
+              <a:rPr lang="en-US" altLang="zh-TW" dirty="0">
+                <a:solidFill>
+                  <a:sysClr val="windowText" lastClr="000000"/>
+                </a:solidFill>
+              </a:rPr>
+              <a:t>signal</a:t>
+            </a:r>
+            <a:r>
+              <a:rPr lang="zh-TW" altLang="en-US" dirty="0">
+                <a:solidFill>
+                  <a:sysClr val="windowText" lastClr="000000"/>
+                </a:solidFill>
+              </a:rPr>
+              <a:t> 來畫圖</a:t>
+            </a:r>
+            <a:r>
+              <a:rPr lang="en-US" altLang="zh-TW" dirty="0">
+                <a:solidFill>
+                  <a:sysClr val="windowText" lastClr="000000"/>
+                </a:solidFill>
+              </a:rPr>
+              <a:t>/</a:t>
+            </a:r>
+            <a:r>
+              <a:rPr lang="zh-TW" altLang="en-US" dirty="0">
+                <a:solidFill>
+                  <a:sysClr val="windowText" lastClr="000000"/>
+                </a:solidFill>
+              </a:rPr>
+              <a:t>存檔</a:t>
+            </a:r>
+            <a:r>
+              <a:rPr lang="en-US" altLang="zh-TW" dirty="0">
+                <a:solidFill>
+                  <a:sysClr val="windowText" lastClr="000000"/>
+                </a:solidFill>
+              </a:rPr>
+              <a:t> </a:t>
+            </a:r>
+            <a:endParaRPr lang="zh-TW" altLang="en-US" dirty="0">
+              <a:solidFill>
+                <a:sysClr val="windowText" lastClr="000000"/>
+              </a:solidFill>
+            </a:endParaRPr>
+          </a:p>
+        </p:txBody>
+      </p:sp>
+      <p:sp>
+        <p:nvSpPr>
+          <p:cNvPr id="5" name="矩形 4">
+            <a:extLst>
+              <a:ext uri="{FF2B5EF4-FFF2-40B4-BE49-F238E27FC236}">
+                <a16:creationId xmlns:a16="http://schemas.microsoft.com/office/drawing/2014/main" id="{8E8573D6-DD29-D791-8AD5-7086BA102557}"/>
+              </a:ext>
+            </a:extLst>
+          </p:cNvPr>
+          <p:cNvSpPr/>
+          <p:nvPr/>
+        </p:nvSpPr>
+        <p:spPr>
+          <a:xfrm>
+            <a:off x="2979181" y="2684765"/>
+            <a:ext cx="2186609" cy="3791779"/>
+          </a:xfrm>
+          <a:prstGeom prst="rect">
+            <a:avLst/>
+          </a:prstGeom>
+          <a:solidFill>
+            <a:schemeClr val="bg1"/>
+          </a:solidFill>
+        </p:spPr>
+        <p:style>
+          <a:lnRef idx="2">
+            <a:schemeClr val="accent1">
+              <a:shade val="15000"/>
+            </a:schemeClr>
+          </a:lnRef>
+          <a:fillRef idx="1">
+            <a:schemeClr val="accent1"/>
+          </a:fillRef>
+          <a:effectRef idx="0">
+            <a:schemeClr val="accent1"/>
+          </a:effectRef>
+          <a:fontRef idx="minor">
+            <a:schemeClr val="lt1"/>
+          </a:fontRef>
+        </p:style>
+        <p:txBody>
+          <a:bodyPr rtlCol="0" anchor="ctr"/>
+          <a:lstStyle/>
+          <a:p>
+            <a:pPr algn="ctr"/>
+            <a:r>
+              <a:rPr lang="en-US" altLang="zh-TW" dirty="0">
+                <a:solidFill>
+                  <a:sysClr val="windowText" lastClr="000000"/>
+                </a:solidFill>
+              </a:rPr>
+              <a:t>widget.py</a:t>
+            </a:r>
+          </a:p>
+          <a:p>
+            <a:pPr algn="ctr"/>
+            <a:endParaRPr lang="en-US" altLang="zh-TW" dirty="0">
+              <a:solidFill>
+                <a:sysClr val="windowText" lastClr="000000"/>
+              </a:solidFill>
+            </a:endParaRPr>
+          </a:p>
+          <a:p>
+            <a:pPr algn="ctr"/>
+            <a:r>
+              <a:rPr lang="zh-TW" altLang="en-US" dirty="0">
+                <a:solidFill>
+                  <a:sysClr val="windowText" lastClr="000000"/>
+                </a:solidFill>
+              </a:rPr>
+              <a:t>主視窗檔案，建立 </a:t>
+            </a:r>
+            <a:r>
+              <a:rPr lang="en-US" altLang="zh-TW" dirty="0">
+                <a:solidFill>
+                  <a:sysClr val="windowText" lastClr="000000"/>
+                </a:solidFill>
+              </a:rPr>
+              <a:t>menu, </a:t>
+            </a:r>
+            <a:r>
+              <a:rPr lang="zh-TW" altLang="en-US" dirty="0">
+                <a:solidFill>
+                  <a:sysClr val="windowText" lastClr="000000"/>
+                </a:solidFill>
+              </a:rPr>
+              <a:t>圖表</a:t>
+            </a:r>
+            <a:r>
+              <a:rPr lang="en-US" altLang="zh-TW" dirty="0">
+                <a:solidFill>
+                  <a:sysClr val="windowText" lastClr="000000"/>
+                </a:solidFill>
+              </a:rPr>
+              <a:t>, </a:t>
+            </a:r>
+            <a:r>
+              <a:rPr lang="zh-TW" altLang="en-US" dirty="0">
+                <a:solidFill>
+                  <a:sysClr val="windowText" lastClr="000000"/>
+                </a:solidFill>
+              </a:rPr>
+              <a:t>按鈕</a:t>
+            </a:r>
+            <a:r>
+              <a:rPr lang="en-US" altLang="zh-TW" dirty="0">
+                <a:solidFill>
+                  <a:sysClr val="windowText" lastClr="000000"/>
+                </a:solidFill>
+              </a:rPr>
+              <a:t>….</a:t>
+            </a:r>
+            <a:r>
+              <a:rPr lang="zh-TW" altLang="en-US" dirty="0">
+                <a:solidFill>
+                  <a:sysClr val="windowText" lastClr="000000"/>
+                </a:solidFill>
+              </a:rPr>
+              <a:t>的容器</a:t>
+            </a:r>
+          </a:p>
+        </p:txBody>
+      </p:sp>
+      <p:grpSp>
+        <p:nvGrpSpPr>
+          <p:cNvPr id="56" name="群組 55">
+            <a:extLst>
+              <a:ext uri="{FF2B5EF4-FFF2-40B4-BE49-F238E27FC236}">
+                <a16:creationId xmlns:a16="http://schemas.microsoft.com/office/drawing/2014/main" id="{85269D55-752F-05DE-2CC6-97D651277A17}"/>
+              </a:ext>
+            </a:extLst>
+          </p:cNvPr>
+          <p:cNvGrpSpPr/>
+          <p:nvPr/>
+        </p:nvGrpSpPr>
+        <p:grpSpPr>
+          <a:xfrm>
+            <a:off x="5493353" y="581766"/>
+            <a:ext cx="3305005" cy="4266631"/>
+            <a:chOff x="5398682" y="113627"/>
+            <a:chExt cx="3305005" cy="4266631"/>
+          </a:xfrm>
+        </p:grpSpPr>
+        <p:sp>
+          <p:nvSpPr>
+            <p:cNvPr id="6" name="矩形 5">
+              <a:extLst>
+                <a:ext uri="{FF2B5EF4-FFF2-40B4-BE49-F238E27FC236}">
+                  <a16:creationId xmlns:a16="http://schemas.microsoft.com/office/drawing/2014/main" id="{C5BD7A13-14D7-FEAB-9C53-28EACB93F717}"/>
+                </a:ext>
+              </a:extLst>
+            </p:cNvPr>
+            <p:cNvSpPr/>
+            <p:nvPr/>
+          </p:nvSpPr>
+          <p:spPr>
+            <a:xfrm>
+              <a:off x="6222170" y="2116033"/>
+              <a:ext cx="1653993" cy="444755"/>
+            </a:xfrm>
+            <a:prstGeom prst="rect">
+              <a:avLst/>
+            </a:prstGeom>
+            <a:solidFill>
+              <a:schemeClr val="bg1"/>
+            </a:solidFill>
+          </p:spPr>
+          <p:style>
+            <a:lnRef idx="2">
+              <a:schemeClr val="accent1">
+                <a:shade val="15000"/>
+              </a:schemeClr>
+            </a:lnRef>
+            <a:fillRef idx="1">
+              <a:schemeClr val="accent1"/>
+            </a:fillRef>
+            <a:effectRef idx="0">
+              <a:schemeClr val="accent1"/>
+            </a:effectRef>
+            <a:fontRef idx="minor">
+              <a:schemeClr val="lt1"/>
+            </a:fontRef>
+          </p:style>
+          <p:txBody>
+            <a:bodyPr rtlCol="0" anchor="ctr"/>
+            <a:lstStyle/>
+            <a:p>
+              <a:pPr algn="ctr"/>
+              <a:r>
+                <a:rPr lang="en-US" altLang="zh-TW" dirty="0">
+                  <a:solidFill>
+                    <a:sysClr val="windowText" lastClr="000000"/>
+                  </a:solidFill>
+                </a:rPr>
+                <a:t>sub_reader1</a:t>
+              </a:r>
+              <a:endParaRPr lang="zh-TW" altLang="en-US" dirty="0">
+                <a:solidFill>
+                  <a:sysClr val="windowText" lastClr="000000"/>
+                </a:solidFill>
+              </a:endParaRPr>
+            </a:p>
+          </p:txBody>
+        </p:sp>
+        <p:sp>
+          <p:nvSpPr>
+            <p:cNvPr id="7" name="矩形 6">
+              <a:extLst>
+                <a:ext uri="{FF2B5EF4-FFF2-40B4-BE49-F238E27FC236}">
+                  <a16:creationId xmlns:a16="http://schemas.microsoft.com/office/drawing/2014/main" id="{05EEA723-B420-23B6-C0C1-247A7C186ACD}"/>
+                </a:ext>
+              </a:extLst>
+            </p:cNvPr>
+            <p:cNvSpPr/>
+            <p:nvPr/>
+          </p:nvSpPr>
+          <p:spPr>
+            <a:xfrm>
+              <a:off x="6222170" y="2858962"/>
+              <a:ext cx="1653993" cy="487626"/>
+            </a:xfrm>
+            <a:prstGeom prst="rect">
+              <a:avLst/>
+            </a:prstGeom>
+            <a:solidFill>
+              <a:schemeClr val="bg1"/>
+            </a:solidFill>
+          </p:spPr>
+          <p:style>
+            <a:lnRef idx="2">
+              <a:schemeClr val="accent1">
+                <a:shade val="15000"/>
+              </a:schemeClr>
+            </a:lnRef>
+            <a:fillRef idx="1">
+              <a:schemeClr val="accent1"/>
+            </a:fillRef>
+            <a:effectRef idx="0">
+              <a:schemeClr val="accent1"/>
+            </a:effectRef>
+            <a:fontRef idx="minor">
+              <a:schemeClr val="lt1"/>
+            </a:fontRef>
+          </p:style>
+          <p:txBody>
+            <a:bodyPr rtlCol="0" anchor="ctr"/>
+            <a:lstStyle/>
+            <a:p>
+              <a:pPr algn="ctr"/>
+              <a:r>
+                <a:rPr lang="en-US" altLang="zh-TW" dirty="0">
+                  <a:solidFill>
+                    <a:sysClr val="windowText" lastClr="000000"/>
+                  </a:solidFill>
+                </a:rPr>
+                <a:t>sub_reader2</a:t>
+              </a:r>
+              <a:endParaRPr lang="zh-TW" altLang="en-US" dirty="0">
+                <a:solidFill>
+                  <a:sysClr val="windowText" lastClr="000000"/>
+                </a:solidFill>
+              </a:endParaRPr>
+            </a:p>
+          </p:txBody>
+        </p:sp>
+        <p:sp>
+          <p:nvSpPr>
+            <p:cNvPr id="8" name="矩形 7">
+              <a:extLst>
+                <a:ext uri="{FF2B5EF4-FFF2-40B4-BE49-F238E27FC236}">
+                  <a16:creationId xmlns:a16="http://schemas.microsoft.com/office/drawing/2014/main" id="{C3FC4D9B-AB19-5169-CF52-E3EAA2A09C7E}"/>
+                </a:ext>
+              </a:extLst>
+            </p:cNvPr>
+            <p:cNvSpPr/>
+            <p:nvPr/>
+          </p:nvSpPr>
+          <p:spPr>
+            <a:xfrm>
+              <a:off x="6222170" y="3644762"/>
+              <a:ext cx="1653993" cy="487626"/>
+            </a:xfrm>
+            <a:prstGeom prst="rect">
+              <a:avLst/>
+            </a:prstGeom>
+            <a:solidFill>
+              <a:schemeClr val="bg1"/>
+            </a:solidFill>
+          </p:spPr>
+          <p:style>
+            <a:lnRef idx="2">
+              <a:schemeClr val="accent1">
+                <a:shade val="15000"/>
+              </a:schemeClr>
+            </a:lnRef>
+            <a:fillRef idx="1">
+              <a:schemeClr val="accent1"/>
+            </a:fillRef>
+            <a:effectRef idx="0">
+              <a:schemeClr val="accent1"/>
+            </a:effectRef>
+            <a:fontRef idx="minor">
+              <a:schemeClr val="lt1"/>
+            </a:fontRef>
+          </p:style>
+          <p:txBody>
+            <a:bodyPr rtlCol="0" anchor="ctr"/>
+            <a:lstStyle/>
+            <a:p>
+              <a:pPr algn="ctr"/>
+              <a:r>
+                <a:rPr lang="en-US" altLang="zh-TW" dirty="0">
+                  <a:solidFill>
+                    <a:sysClr val="windowText" lastClr="000000"/>
+                  </a:solidFill>
+                </a:rPr>
+                <a:t>sub_reader3</a:t>
+              </a:r>
+              <a:endParaRPr lang="zh-TW" altLang="en-US" dirty="0">
+                <a:solidFill>
+                  <a:sysClr val="windowText" lastClr="000000"/>
+                </a:solidFill>
+              </a:endParaRPr>
+            </a:p>
+          </p:txBody>
+        </p:sp>
+        <p:sp>
+          <p:nvSpPr>
+            <p:cNvPr id="9" name="矩形 8">
+              <a:extLst>
+                <a:ext uri="{FF2B5EF4-FFF2-40B4-BE49-F238E27FC236}">
+                  <a16:creationId xmlns:a16="http://schemas.microsoft.com/office/drawing/2014/main" id="{8579C02D-DECE-7768-5CF9-2EB2D3FED42A}"/>
+                </a:ext>
+              </a:extLst>
+            </p:cNvPr>
+            <p:cNvSpPr/>
+            <p:nvPr/>
+          </p:nvSpPr>
+          <p:spPr>
+            <a:xfrm>
+              <a:off x="5458428" y="454301"/>
+              <a:ext cx="3223609" cy="3925957"/>
+            </a:xfrm>
+            <a:prstGeom prst="rect">
+              <a:avLst/>
+            </a:prstGeom>
+            <a:noFill/>
+            <a:ln>
+              <a:solidFill>
+                <a:srgbClr val="0070C0"/>
+              </a:solidFill>
+            </a:ln>
+          </p:spPr>
+          <p:style>
+            <a:lnRef idx="2">
+              <a:schemeClr val="accent1">
+                <a:shade val="15000"/>
+              </a:schemeClr>
+            </a:lnRef>
+            <a:fillRef idx="1">
+              <a:schemeClr val="accent1"/>
+            </a:fillRef>
+            <a:effectRef idx="0">
+              <a:schemeClr val="accent1"/>
+            </a:effectRef>
+            <a:fontRef idx="minor">
+              <a:schemeClr val="lt1"/>
+            </a:fontRef>
+          </p:style>
+          <p:txBody>
+            <a:bodyPr rtlCol="0" anchor="ctr"/>
+            <a:lstStyle/>
+            <a:p>
+              <a:pPr algn="ctr"/>
+              <a:endParaRPr lang="zh-TW" altLang="en-US"/>
+            </a:p>
+          </p:txBody>
+        </p:sp>
+        <p:sp>
+          <p:nvSpPr>
+            <p:cNvPr id="10" name="矩形 9">
+              <a:extLst>
+                <a:ext uri="{FF2B5EF4-FFF2-40B4-BE49-F238E27FC236}">
+                  <a16:creationId xmlns:a16="http://schemas.microsoft.com/office/drawing/2014/main" id="{FAE1261B-7011-107E-0BCB-FCAE863D46CF}"/>
+                </a:ext>
+              </a:extLst>
+            </p:cNvPr>
+            <p:cNvSpPr/>
+            <p:nvPr/>
+          </p:nvSpPr>
+          <p:spPr>
+            <a:xfrm>
+              <a:off x="5945445" y="1423408"/>
+              <a:ext cx="1930717" cy="444755"/>
+            </a:xfrm>
+            <a:prstGeom prst="rect">
+              <a:avLst/>
+            </a:prstGeom>
+            <a:solidFill>
+              <a:schemeClr val="bg1"/>
+            </a:solidFill>
+          </p:spPr>
+          <p:style>
+            <a:lnRef idx="2">
+              <a:schemeClr val="accent1">
+                <a:shade val="15000"/>
+              </a:schemeClr>
+            </a:lnRef>
+            <a:fillRef idx="1">
+              <a:schemeClr val="accent1"/>
+            </a:fillRef>
+            <a:effectRef idx="0">
+              <a:schemeClr val="accent1"/>
+            </a:effectRef>
+            <a:fontRef idx="minor">
+              <a:schemeClr val="lt1"/>
+            </a:fontRef>
+          </p:style>
+          <p:txBody>
+            <a:bodyPr rtlCol="0" anchor="ctr"/>
+            <a:lstStyle/>
+            <a:p>
+              <a:pPr algn="ctr"/>
+              <a:r>
+                <a:rPr lang="en-US" altLang="zh-TW" dirty="0">
+                  <a:solidFill>
+                    <a:sysClr val="windowText" lastClr="000000"/>
+                  </a:solidFill>
+                </a:rPr>
+                <a:t>dispatcher</a:t>
+              </a:r>
+              <a:endParaRPr lang="zh-TW" altLang="en-US" dirty="0">
+                <a:solidFill>
+                  <a:sysClr val="windowText" lastClr="000000"/>
+                </a:solidFill>
+              </a:endParaRPr>
+            </a:p>
+          </p:txBody>
+        </p:sp>
+        <p:sp>
+          <p:nvSpPr>
+            <p:cNvPr id="11" name="矩形 10">
+              <a:extLst>
+                <a:ext uri="{FF2B5EF4-FFF2-40B4-BE49-F238E27FC236}">
+                  <a16:creationId xmlns:a16="http://schemas.microsoft.com/office/drawing/2014/main" id="{E02B85E2-3F6B-12C4-1642-6394345B3DF5}"/>
+                </a:ext>
+              </a:extLst>
+            </p:cNvPr>
+            <p:cNvSpPr/>
+            <p:nvPr/>
+          </p:nvSpPr>
+          <p:spPr>
+            <a:xfrm>
+              <a:off x="5945443" y="726773"/>
+              <a:ext cx="1930717" cy="444755"/>
+            </a:xfrm>
+            <a:prstGeom prst="rect">
+              <a:avLst/>
+            </a:prstGeom>
+            <a:solidFill>
+              <a:schemeClr val="bg1"/>
+            </a:solidFill>
+          </p:spPr>
+          <p:style>
+            <a:lnRef idx="2">
+              <a:schemeClr val="accent1">
+                <a:shade val="15000"/>
+              </a:schemeClr>
+            </a:lnRef>
+            <a:fillRef idx="1">
+              <a:schemeClr val="accent1"/>
+            </a:fillRef>
+            <a:effectRef idx="0">
+              <a:schemeClr val="accent1"/>
+            </a:effectRef>
+            <a:fontRef idx="minor">
+              <a:schemeClr val="lt1"/>
+            </a:fontRef>
+          </p:style>
+          <p:txBody>
+            <a:bodyPr rtlCol="0" anchor="ctr"/>
+            <a:lstStyle/>
+            <a:p>
+              <a:pPr algn="ctr"/>
+              <a:r>
+                <a:rPr lang="en-US" altLang="zh-TW" dirty="0">
+                  <a:solidFill>
+                    <a:sysClr val="windowText" lastClr="000000"/>
+                  </a:solidFill>
+                </a:rPr>
+                <a:t>Thread reader_1</a:t>
+              </a:r>
+              <a:endParaRPr lang="zh-TW" altLang="en-US" dirty="0">
+                <a:solidFill>
+                  <a:sysClr val="windowText" lastClr="000000"/>
+                </a:solidFill>
+              </a:endParaRPr>
+            </a:p>
+          </p:txBody>
+        </p:sp>
+        <p:cxnSp>
+          <p:nvCxnSpPr>
+            <p:cNvPr id="13" name="直線單箭頭接點 12">
+              <a:extLst>
+                <a:ext uri="{FF2B5EF4-FFF2-40B4-BE49-F238E27FC236}">
+                  <a16:creationId xmlns:a16="http://schemas.microsoft.com/office/drawing/2014/main" id="{30DF731A-520B-C46F-29D0-AE49B5B0F81F}"/>
+                </a:ext>
+              </a:extLst>
+            </p:cNvPr>
+            <p:cNvCxnSpPr>
+              <a:stCxn id="11" idx="2"/>
+              <a:endCxn id="10" idx="0"/>
+            </p:cNvCxnSpPr>
+            <p:nvPr/>
+          </p:nvCxnSpPr>
+          <p:spPr>
+            <a:xfrm>
+              <a:off x="6910802" y="1171528"/>
+              <a:ext cx="2" cy="251880"/>
+            </a:xfrm>
+            <a:prstGeom prst="straightConnector1">
+              <a:avLst/>
+            </a:prstGeom>
+            <a:ln>
+              <a:tailEnd type="triangle"/>
+            </a:ln>
+          </p:spPr>
+          <p:style>
+            <a:lnRef idx="2">
+              <a:schemeClr val="accent1"/>
+            </a:lnRef>
+            <a:fillRef idx="0">
+              <a:schemeClr val="accent1"/>
+            </a:fillRef>
+            <a:effectRef idx="1">
+              <a:schemeClr val="accent1"/>
+            </a:effectRef>
+            <a:fontRef idx="minor">
+              <a:schemeClr val="tx1"/>
+            </a:fontRef>
+          </p:style>
+        </p:cxnSp>
+        <p:cxnSp>
+          <p:nvCxnSpPr>
+            <p:cNvPr id="15" name="接點: 肘形 14">
+              <a:extLst>
+                <a:ext uri="{FF2B5EF4-FFF2-40B4-BE49-F238E27FC236}">
+                  <a16:creationId xmlns:a16="http://schemas.microsoft.com/office/drawing/2014/main" id="{EC324D6C-CC73-B485-678E-153028552A75}"/>
+                </a:ext>
+              </a:extLst>
+            </p:cNvPr>
+            <p:cNvCxnSpPr>
+              <a:stCxn id="10" idx="1"/>
+              <a:endCxn id="6" idx="1"/>
+            </p:cNvCxnSpPr>
+            <p:nvPr/>
+          </p:nvCxnSpPr>
+          <p:spPr>
+            <a:xfrm rot="10800000" flipH="1" flipV="1">
+              <a:off x="5945444" y="1645785"/>
+              <a:ext cx="276725" cy="692625"/>
+            </a:xfrm>
+            <a:prstGeom prst="bentConnector3">
+              <a:avLst>
+                <a:gd name="adj1" fmla="val -82609"/>
+              </a:avLst>
+            </a:prstGeom>
+            <a:ln>
+              <a:tailEnd type="triangle"/>
+            </a:ln>
+          </p:spPr>
+          <p:style>
+            <a:lnRef idx="2">
+              <a:schemeClr val="accent1"/>
+            </a:lnRef>
+            <a:fillRef idx="0">
+              <a:schemeClr val="accent1"/>
+            </a:fillRef>
+            <a:effectRef idx="1">
+              <a:schemeClr val="accent1"/>
+            </a:effectRef>
+            <a:fontRef idx="minor">
+              <a:schemeClr val="tx1"/>
+            </a:fontRef>
+          </p:style>
+        </p:cxnSp>
+        <p:cxnSp>
+          <p:nvCxnSpPr>
+            <p:cNvPr id="17" name="接點: 肘形 16">
+              <a:extLst>
+                <a:ext uri="{FF2B5EF4-FFF2-40B4-BE49-F238E27FC236}">
+                  <a16:creationId xmlns:a16="http://schemas.microsoft.com/office/drawing/2014/main" id="{1891CD1E-32BE-CEA7-2DD2-93BED9437B75}"/>
+                </a:ext>
+              </a:extLst>
+            </p:cNvPr>
+            <p:cNvCxnSpPr>
+              <a:stCxn id="10" idx="1"/>
+              <a:endCxn id="7" idx="1"/>
+            </p:cNvCxnSpPr>
+            <p:nvPr/>
+          </p:nvCxnSpPr>
+          <p:spPr>
+            <a:xfrm rot="10800000" flipH="1" flipV="1">
+              <a:off x="5945444" y="1645785"/>
+              <a:ext cx="276725" cy="1456989"/>
+            </a:xfrm>
+            <a:prstGeom prst="bentConnector3">
+              <a:avLst>
+                <a:gd name="adj1" fmla="val -82609"/>
+              </a:avLst>
+            </a:prstGeom>
+            <a:ln>
+              <a:tailEnd type="triangle"/>
+            </a:ln>
+          </p:spPr>
+          <p:style>
+            <a:lnRef idx="2">
+              <a:schemeClr val="accent1"/>
+            </a:lnRef>
+            <a:fillRef idx="0">
+              <a:schemeClr val="accent1"/>
+            </a:fillRef>
+            <a:effectRef idx="1">
+              <a:schemeClr val="accent1"/>
+            </a:effectRef>
+            <a:fontRef idx="minor">
+              <a:schemeClr val="tx1"/>
+            </a:fontRef>
+          </p:style>
+        </p:cxnSp>
+        <p:cxnSp>
+          <p:nvCxnSpPr>
+            <p:cNvPr id="19" name="接點: 肘形 18">
+              <a:extLst>
+                <a:ext uri="{FF2B5EF4-FFF2-40B4-BE49-F238E27FC236}">
+                  <a16:creationId xmlns:a16="http://schemas.microsoft.com/office/drawing/2014/main" id="{CB0BD00B-4CE4-6AFA-4C62-03085AC61937}"/>
+                </a:ext>
+              </a:extLst>
+            </p:cNvPr>
+            <p:cNvCxnSpPr>
+              <a:stCxn id="10" idx="1"/>
+              <a:endCxn id="8" idx="1"/>
+            </p:cNvCxnSpPr>
+            <p:nvPr/>
+          </p:nvCxnSpPr>
+          <p:spPr>
+            <a:xfrm rot="10800000" flipH="1" flipV="1">
+              <a:off x="5945444" y="1645785"/>
+              <a:ext cx="276725" cy="2242789"/>
+            </a:xfrm>
+            <a:prstGeom prst="bentConnector3">
+              <a:avLst>
+                <a:gd name="adj1" fmla="val -82609"/>
+              </a:avLst>
+            </a:prstGeom>
+            <a:ln>
+              <a:tailEnd type="triangle"/>
+            </a:ln>
+          </p:spPr>
+          <p:style>
+            <a:lnRef idx="2">
+              <a:schemeClr val="accent1"/>
+            </a:lnRef>
+            <a:fillRef idx="0">
+              <a:schemeClr val="accent1"/>
+            </a:fillRef>
+            <a:effectRef idx="1">
+              <a:schemeClr val="accent1"/>
+            </a:effectRef>
+            <a:fontRef idx="minor">
+              <a:schemeClr val="tx1"/>
+            </a:fontRef>
+          </p:style>
+        </p:cxnSp>
+        <p:sp>
+          <p:nvSpPr>
+            <p:cNvPr id="25" name="文字方塊 24">
+              <a:extLst>
+                <a:ext uri="{FF2B5EF4-FFF2-40B4-BE49-F238E27FC236}">
+                  <a16:creationId xmlns:a16="http://schemas.microsoft.com/office/drawing/2014/main" id="{AFB8B459-D03A-D092-BD37-7D94455B0A73}"/>
+                </a:ext>
+              </a:extLst>
+            </p:cNvPr>
+            <p:cNvSpPr txBox="1"/>
+            <p:nvPr/>
+          </p:nvSpPr>
+          <p:spPr>
+            <a:xfrm>
+              <a:off x="5398682" y="113627"/>
+              <a:ext cx="1239763" cy="338554"/>
+            </a:xfrm>
+            <a:prstGeom prst="rect">
+              <a:avLst/>
+            </a:prstGeom>
+            <a:noFill/>
+          </p:spPr>
+          <p:txBody>
+            <a:bodyPr wrap="none" rtlCol="0">
+              <a:spAutoFit/>
+            </a:bodyPr>
+            <a:lstStyle/>
+            <a:p>
+              <a:r>
+                <a:rPr lang="en-US" altLang="zh-TW" sz="1600" dirty="0">
+                  <a:solidFill>
+                    <a:srgbClr val="0070C0"/>
+                  </a:solidFill>
+                </a:rPr>
+                <a:t>Serial Port 1</a:t>
+              </a:r>
+              <a:endParaRPr lang="zh-TW" altLang="en-US" sz="1600" dirty="0">
+                <a:solidFill>
+                  <a:srgbClr val="0070C0"/>
+                </a:solidFill>
+              </a:endParaRPr>
+            </a:p>
+          </p:txBody>
+        </p:sp>
+        <p:grpSp>
+          <p:nvGrpSpPr>
+            <p:cNvPr id="45" name="群組 44">
+              <a:extLst>
+                <a:ext uri="{FF2B5EF4-FFF2-40B4-BE49-F238E27FC236}">
+                  <a16:creationId xmlns:a16="http://schemas.microsoft.com/office/drawing/2014/main" id="{62AC0871-C8C9-15C1-548B-DEC4F1805A92}"/>
+                </a:ext>
+              </a:extLst>
+            </p:cNvPr>
+            <p:cNvGrpSpPr/>
+            <p:nvPr/>
+          </p:nvGrpSpPr>
+          <p:grpSpPr>
+            <a:xfrm>
+              <a:off x="7827636" y="2095320"/>
+              <a:ext cx="854401" cy="276999"/>
+              <a:chOff x="7827636" y="2095320"/>
+              <a:chExt cx="854401" cy="276999"/>
+            </a:xfrm>
+          </p:grpSpPr>
+          <p:sp>
+            <p:nvSpPr>
+              <p:cNvPr id="32" name="文字方塊 31">
+                <a:extLst>
+                  <a:ext uri="{FF2B5EF4-FFF2-40B4-BE49-F238E27FC236}">
+                    <a16:creationId xmlns:a16="http://schemas.microsoft.com/office/drawing/2014/main" id="{5CB854CF-E631-554D-DCE2-6CA9423933B6}"/>
+                  </a:ext>
+                </a:extLst>
+              </p:cNvPr>
+              <p:cNvSpPr txBox="1"/>
+              <p:nvPr/>
+            </p:nvSpPr>
+            <p:spPr>
+              <a:xfrm>
+                <a:off x="7827636" y="2095320"/>
+                <a:ext cx="854401" cy="276999"/>
+              </a:xfrm>
+              <a:prstGeom prst="rect">
+                <a:avLst/>
+              </a:prstGeom>
+              <a:noFill/>
+            </p:spPr>
+            <p:txBody>
+              <a:bodyPr wrap="none" rtlCol="0">
+                <a:spAutoFit/>
+              </a:bodyPr>
+              <a:lstStyle/>
+              <a:p>
+                <a:r>
+                  <a:rPr lang="en-US" altLang="zh-TW" sz="1200" dirty="0"/>
+                  <a:t>signal_1-1</a:t>
+                </a:r>
+                <a:endParaRPr lang="zh-TW" altLang="en-US" sz="1200" dirty="0"/>
+              </a:p>
+            </p:txBody>
+          </p:sp>
+          <p:cxnSp>
+            <p:nvCxnSpPr>
+              <p:cNvPr id="31" name="直線單箭頭接點 30">
+                <a:extLst>
+                  <a:ext uri="{FF2B5EF4-FFF2-40B4-BE49-F238E27FC236}">
+                    <a16:creationId xmlns:a16="http://schemas.microsoft.com/office/drawing/2014/main" id="{ADAAF94B-482A-A388-5616-ED0C7D940BEF}"/>
+                  </a:ext>
+                </a:extLst>
+              </p:cNvPr>
+              <p:cNvCxnSpPr>
+                <a:cxnSpLocks/>
+                <a:stCxn id="6" idx="3"/>
+              </p:cNvCxnSpPr>
+              <p:nvPr/>
+            </p:nvCxnSpPr>
+            <p:spPr>
+              <a:xfrm flipV="1">
+                <a:off x="7876163" y="2338410"/>
+                <a:ext cx="756000" cy="1"/>
+              </a:xfrm>
+              <a:prstGeom prst="straightConnector1">
+                <a:avLst/>
+              </a:prstGeom>
+              <a:ln>
+                <a:tailEnd type="triangle"/>
+              </a:ln>
+            </p:spPr>
+            <p:style>
+              <a:lnRef idx="2">
+                <a:schemeClr val="accent1"/>
+              </a:lnRef>
+              <a:fillRef idx="0">
+                <a:schemeClr val="accent1"/>
+              </a:fillRef>
+              <a:effectRef idx="1">
+                <a:schemeClr val="accent1"/>
+              </a:effectRef>
+              <a:fontRef idx="minor">
+                <a:schemeClr val="tx1"/>
+              </a:fontRef>
+            </p:style>
+          </p:cxnSp>
+        </p:grpSp>
+        <p:grpSp>
+          <p:nvGrpSpPr>
+            <p:cNvPr id="46" name="群組 45">
+              <a:extLst>
+                <a:ext uri="{FF2B5EF4-FFF2-40B4-BE49-F238E27FC236}">
+                  <a16:creationId xmlns:a16="http://schemas.microsoft.com/office/drawing/2014/main" id="{C589ACEC-ADB3-E2F5-BBD4-026AAA698314}"/>
+                </a:ext>
+              </a:extLst>
+            </p:cNvPr>
+            <p:cNvGrpSpPr/>
+            <p:nvPr/>
+          </p:nvGrpSpPr>
+          <p:grpSpPr>
+            <a:xfrm>
+              <a:off x="7827636" y="2872704"/>
+              <a:ext cx="865943" cy="276999"/>
+              <a:chOff x="7827636" y="2095320"/>
+              <a:chExt cx="865943" cy="276999"/>
+            </a:xfrm>
+          </p:grpSpPr>
+          <p:sp>
+            <p:nvSpPr>
+              <p:cNvPr id="47" name="文字方塊 46">
+                <a:extLst>
+                  <a:ext uri="{FF2B5EF4-FFF2-40B4-BE49-F238E27FC236}">
+                    <a16:creationId xmlns:a16="http://schemas.microsoft.com/office/drawing/2014/main" id="{D5EDE239-B6BD-F457-1505-EA7043EF05F8}"/>
+                  </a:ext>
+                </a:extLst>
+              </p:cNvPr>
+              <p:cNvSpPr txBox="1"/>
+              <p:nvPr/>
+            </p:nvSpPr>
+            <p:spPr>
+              <a:xfrm>
+                <a:off x="7827636" y="2095320"/>
+                <a:ext cx="865943" cy="276999"/>
+              </a:xfrm>
+              <a:prstGeom prst="rect">
+                <a:avLst/>
+              </a:prstGeom>
+              <a:noFill/>
+            </p:spPr>
+            <p:txBody>
+              <a:bodyPr wrap="none" rtlCol="0">
+                <a:spAutoFit/>
+              </a:bodyPr>
+              <a:lstStyle/>
+              <a:p>
+                <a:r>
+                  <a:rPr lang="en-US" altLang="zh-TW" sz="1200" dirty="0"/>
+                  <a:t>signal_1-2</a:t>
+                </a:r>
+                <a:endParaRPr lang="zh-TW" altLang="en-US" sz="1200" dirty="0"/>
+              </a:p>
+            </p:txBody>
+          </p:sp>
+          <p:cxnSp>
+            <p:nvCxnSpPr>
+              <p:cNvPr id="48" name="直線單箭頭接點 47">
+                <a:extLst>
+                  <a:ext uri="{FF2B5EF4-FFF2-40B4-BE49-F238E27FC236}">
+                    <a16:creationId xmlns:a16="http://schemas.microsoft.com/office/drawing/2014/main" id="{758B7C57-E787-3FCC-8556-B5C419B47A0E}"/>
+                  </a:ext>
+                </a:extLst>
+              </p:cNvPr>
+              <p:cNvCxnSpPr>
+                <a:cxnSpLocks/>
+              </p:cNvCxnSpPr>
+              <p:nvPr/>
+            </p:nvCxnSpPr>
+            <p:spPr>
+              <a:xfrm flipV="1">
+                <a:off x="7876163" y="2338410"/>
+                <a:ext cx="756000" cy="1"/>
+              </a:xfrm>
+              <a:prstGeom prst="straightConnector1">
+                <a:avLst/>
+              </a:prstGeom>
+              <a:ln>
+                <a:tailEnd type="triangle"/>
+              </a:ln>
+            </p:spPr>
+            <p:style>
+              <a:lnRef idx="2">
+                <a:schemeClr val="accent1"/>
+              </a:lnRef>
+              <a:fillRef idx="0">
+                <a:schemeClr val="accent1"/>
+              </a:fillRef>
+              <a:effectRef idx="1">
+                <a:schemeClr val="accent1"/>
+              </a:effectRef>
+              <a:fontRef idx="minor">
+                <a:schemeClr val="tx1"/>
+              </a:fontRef>
+            </p:style>
+          </p:cxnSp>
+        </p:grpSp>
+        <p:grpSp>
+          <p:nvGrpSpPr>
+            <p:cNvPr id="49" name="群組 48">
+              <a:extLst>
+                <a:ext uri="{FF2B5EF4-FFF2-40B4-BE49-F238E27FC236}">
+                  <a16:creationId xmlns:a16="http://schemas.microsoft.com/office/drawing/2014/main" id="{99D15231-A7CF-3D90-0A6D-6F58EB5639A8}"/>
+                </a:ext>
+              </a:extLst>
+            </p:cNvPr>
+            <p:cNvGrpSpPr/>
+            <p:nvPr/>
+          </p:nvGrpSpPr>
+          <p:grpSpPr>
+            <a:xfrm>
+              <a:off x="7837744" y="3658504"/>
+              <a:ext cx="865943" cy="276999"/>
+              <a:chOff x="7827636" y="2095320"/>
+              <a:chExt cx="865943" cy="276999"/>
+            </a:xfrm>
+          </p:grpSpPr>
+          <p:sp>
+            <p:nvSpPr>
+              <p:cNvPr id="50" name="文字方塊 49">
+                <a:extLst>
+                  <a:ext uri="{FF2B5EF4-FFF2-40B4-BE49-F238E27FC236}">
+                    <a16:creationId xmlns:a16="http://schemas.microsoft.com/office/drawing/2014/main" id="{5DBE3F76-41CC-E205-F4B5-5E5190A97328}"/>
+                  </a:ext>
+                </a:extLst>
+              </p:cNvPr>
+              <p:cNvSpPr txBox="1"/>
+              <p:nvPr/>
+            </p:nvSpPr>
+            <p:spPr>
+              <a:xfrm>
+                <a:off x="7827636" y="2095320"/>
+                <a:ext cx="865943" cy="276999"/>
+              </a:xfrm>
+              <a:prstGeom prst="rect">
+                <a:avLst/>
+              </a:prstGeom>
+              <a:noFill/>
+            </p:spPr>
+            <p:txBody>
+              <a:bodyPr wrap="none" rtlCol="0">
+                <a:spAutoFit/>
+              </a:bodyPr>
+              <a:lstStyle/>
+              <a:p>
+                <a:r>
+                  <a:rPr lang="en-US" altLang="zh-TW" sz="1200" dirty="0"/>
+                  <a:t>signal_1-3</a:t>
+                </a:r>
+                <a:endParaRPr lang="zh-TW" altLang="en-US" sz="1200" dirty="0"/>
+              </a:p>
+            </p:txBody>
+          </p:sp>
+          <p:cxnSp>
+            <p:nvCxnSpPr>
+              <p:cNvPr id="51" name="直線單箭頭接點 50">
+                <a:extLst>
+                  <a:ext uri="{FF2B5EF4-FFF2-40B4-BE49-F238E27FC236}">
+                    <a16:creationId xmlns:a16="http://schemas.microsoft.com/office/drawing/2014/main" id="{16BCBEBB-FCC6-7781-E50F-984BA00955E6}"/>
+                  </a:ext>
+                </a:extLst>
+              </p:cNvPr>
+              <p:cNvCxnSpPr>
+                <a:cxnSpLocks/>
+              </p:cNvCxnSpPr>
+              <p:nvPr/>
+            </p:nvCxnSpPr>
+            <p:spPr>
+              <a:xfrm flipV="1">
+                <a:off x="7876163" y="2338410"/>
+                <a:ext cx="756000" cy="1"/>
+              </a:xfrm>
+              <a:prstGeom prst="straightConnector1">
+                <a:avLst/>
+              </a:prstGeom>
+              <a:ln>
+                <a:tailEnd type="triangle"/>
+              </a:ln>
+            </p:spPr>
+            <p:style>
+              <a:lnRef idx="2">
+                <a:schemeClr val="accent1"/>
+              </a:lnRef>
+              <a:fillRef idx="0">
+                <a:schemeClr val="accent1"/>
+              </a:fillRef>
+              <a:effectRef idx="1">
+                <a:schemeClr val="accent1"/>
+              </a:effectRef>
+              <a:fontRef idx="minor">
+                <a:schemeClr val="tx1"/>
+              </a:fontRef>
+            </p:style>
+          </p:cxnSp>
+        </p:grpSp>
+      </p:grpSp>
+      <p:grpSp>
+        <p:nvGrpSpPr>
+          <p:cNvPr id="57" name="群組 56">
+            <a:extLst>
+              <a:ext uri="{FF2B5EF4-FFF2-40B4-BE49-F238E27FC236}">
+                <a16:creationId xmlns:a16="http://schemas.microsoft.com/office/drawing/2014/main" id="{916432BD-1DC7-CD9A-7947-CC70263196D4}"/>
+              </a:ext>
+            </a:extLst>
+          </p:cNvPr>
+          <p:cNvGrpSpPr/>
+          <p:nvPr/>
+        </p:nvGrpSpPr>
+        <p:grpSpPr>
+          <a:xfrm>
+            <a:off x="5493353" y="5153783"/>
+            <a:ext cx="3294897" cy="1415982"/>
+            <a:chOff x="5398682" y="4986209"/>
+            <a:chExt cx="3294897" cy="1415982"/>
+          </a:xfrm>
+        </p:grpSpPr>
+        <p:sp>
+          <p:nvSpPr>
+            <p:cNvPr id="27" name="矩形 26">
+              <a:extLst>
+                <a:ext uri="{FF2B5EF4-FFF2-40B4-BE49-F238E27FC236}">
+                  <a16:creationId xmlns:a16="http://schemas.microsoft.com/office/drawing/2014/main" id="{CE02610A-AD15-FE22-F71E-FC399EF1E2D6}"/>
+                </a:ext>
+              </a:extLst>
+            </p:cNvPr>
+            <p:cNvSpPr/>
+            <p:nvPr/>
+          </p:nvSpPr>
+          <p:spPr>
+            <a:xfrm>
+              <a:off x="5458429" y="5370376"/>
+              <a:ext cx="3235150" cy="1031815"/>
+            </a:xfrm>
+            <a:prstGeom prst="rect">
+              <a:avLst/>
+            </a:prstGeom>
+            <a:noFill/>
+            <a:ln>
+              <a:solidFill>
+                <a:srgbClr val="0070C0"/>
+              </a:solidFill>
+            </a:ln>
+          </p:spPr>
+          <p:style>
+            <a:lnRef idx="2">
+              <a:schemeClr val="accent1">
+                <a:shade val="15000"/>
+              </a:schemeClr>
+            </a:lnRef>
+            <a:fillRef idx="1">
+              <a:schemeClr val="accent1"/>
+            </a:fillRef>
+            <a:effectRef idx="0">
+              <a:schemeClr val="accent1"/>
+            </a:effectRef>
+            <a:fontRef idx="minor">
+              <a:schemeClr val="lt1"/>
+            </a:fontRef>
+          </p:style>
+          <p:txBody>
+            <a:bodyPr rtlCol="0" anchor="ctr"/>
+            <a:lstStyle/>
+            <a:p>
+              <a:pPr algn="ctr"/>
+              <a:endParaRPr lang="zh-TW" altLang="en-US"/>
+            </a:p>
+          </p:txBody>
+        </p:sp>
+        <p:sp>
+          <p:nvSpPr>
+            <p:cNvPr id="28" name="矩形 27">
+              <a:extLst>
+                <a:ext uri="{FF2B5EF4-FFF2-40B4-BE49-F238E27FC236}">
+                  <a16:creationId xmlns:a16="http://schemas.microsoft.com/office/drawing/2014/main" id="{A3E591A7-1FFA-90CE-0615-2F7CFA05B21C}"/>
+                </a:ext>
+              </a:extLst>
+            </p:cNvPr>
+            <p:cNvSpPr/>
+            <p:nvPr/>
+          </p:nvSpPr>
+          <p:spPr>
+            <a:xfrm>
+              <a:off x="5945442" y="5663905"/>
+              <a:ext cx="1930717" cy="444755"/>
+            </a:xfrm>
+            <a:prstGeom prst="rect">
+              <a:avLst/>
+            </a:prstGeom>
+            <a:solidFill>
+              <a:schemeClr val="bg1"/>
+            </a:solidFill>
+          </p:spPr>
+          <p:style>
+            <a:lnRef idx="2">
+              <a:schemeClr val="accent1">
+                <a:shade val="15000"/>
+              </a:schemeClr>
+            </a:lnRef>
+            <a:fillRef idx="1">
+              <a:schemeClr val="accent1"/>
+            </a:fillRef>
+            <a:effectRef idx="0">
+              <a:schemeClr val="accent1"/>
+            </a:effectRef>
+            <a:fontRef idx="minor">
+              <a:schemeClr val="lt1"/>
+            </a:fontRef>
+          </p:style>
+          <p:txBody>
+            <a:bodyPr rtlCol="0" anchor="ctr"/>
+            <a:lstStyle/>
+            <a:p>
+              <a:pPr algn="ctr"/>
+              <a:r>
+                <a:rPr lang="en-US" altLang="zh-TW" dirty="0">
+                  <a:solidFill>
+                    <a:sysClr val="windowText" lastClr="000000"/>
+                  </a:solidFill>
+                </a:rPr>
+                <a:t>Thread reader_2</a:t>
+              </a:r>
+              <a:endParaRPr lang="zh-TW" altLang="en-US" dirty="0">
+                <a:solidFill>
+                  <a:sysClr val="windowText" lastClr="000000"/>
+                </a:solidFill>
+              </a:endParaRPr>
+            </a:p>
+          </p:txBody>
+        </p:sp>
+        <p:sp>
+          <p:nvSpPr>
+            <p:cNvPr id="29" name="文字方塊 28">
+              <a:extLst>
+                <a:ext uri="{FF2B5EF4-FFF2-40B4-BE49-F238E27FC236}">
+                  <a16:creationId xmlns:a16="http://schemas.microsoft.com/office/drawing/2014/main" id="{DCC15484-CDDE-E43E-206A-E6144ADB7D8F}"/>
+                </a:ext>
+              </a:extLst>
+            </p:cNvPr>
+            <p:cNvSpPr txBox="1"/>
+            <p:nvPr/>
+          </p:nvSpPr>
+          <p:spPr>
+            <a:xfrm>
+              <a:off x="5398682" y="4986209"/>
+              <a:ext cx="1239763" cy="338554"/>
+            </a:xfrm>
+            <a:prstGeom prst="rect">
+              <a:avLst/>
+            </a:prstGeom>
+            <a:noFill/>
+          </p:spPr>
+          <p:txBody>
+            <a:bodyPr wrap="none" rtlCol="0">
+              <a:spAutoFit/>
+            </a:bodyPr>
+            <a:lstStyle/>
+            <a:p>
+              <a:r>
+                <a:rPr lang="en-US" altLang="zh-TW" sz="1600" dirty="0">
+                  <a:solidFill>
+                    <a:srgbClr val="0070C0"/>
+                  </a:solidFill>
+                </a:rPr>
+                <a:t>Serial Port 2</a:t>
+              </a:r>
+              <a:endParaRPr lang="zh-TW" altLang="en-US" sz="1600" dirty="0">
+                <a:solidFill>
+                  <a:srgbClr val="0070C0"/>
+                </a:solidFill>
+              </a:endParaRPr>
+            </a:p>
+          </p:txBody>
+        </p:sp>
+        <p:grpSp>
+          <p:nvGrpSpPr>
+            <p:cNvPr id="52" name="群組 51">
+              <a:extLst>
+                <a:ext uri="{FF2B5EF4-FFF2-40B4-BE49-F238E27FC236}">
+                  <a16:creationId xmlns:a16="http://schemas.microsoft.com/office/drawing/2014/main" id="{39995F13-A811-65D7-9024-40B49C7FE0FD}"/>
+                </a:ext>
+              </a:extLst>
+            </p:cNvPr>
+            <p:cNvGrpSpPr/>
+            <p:nvPr/>
+          </p:nvGrpSpPr>
+          <p:grpSpPr>
+            <a:xfrm>
+              <a:off x="7837744" y="5663905"/>
+              <a:ext cx="804527" cy="276999"/>
+              <a:chOff x="7827636" y="2095320"/>
+              <a:chExt cx="804527" cy="276999"/>
+            </a:xfrm>
+          </p:grpSpPr>
+          <p:sp>
+            <p:nvSpPr>
+              <p:cNvPr id="53" name="文字方塊 52">
+                <a:extLst>
+                  <a:ext uri="{FF2B5EF4-FFF2-40B4-BE49-F238E27FC236}">
+                    <a16:creationId xmlns:a16="http://schemas.microsoft.com/office/drawing/2014/main" id="{33F41D08-C7C9-D813-BA75-555E0A7B947F}"/>
+                  </a:ext>
+                </a:extLst>
+              </p:cNvPr>
+              <p:cNvSpPr txBox="1"/>
+              <p:nvPr/>
+            </p:nvSpPr>
+            <p:spPr>
+              <a:xfrm>
+                <a:off x="7827636" y="2095320"/>
+                <a:ext cx="731290" cy="276999"/>
+              </a:xfrm>
+              <a:prstGeom prst="rect">
+                <a:avLst/>
+              </a:prstGeom>
+              <a:noFill/>
+            </p:spPr>
+            <p:txBody>
+              <a:bodyPr wrap="none" rtlCol="0">
+                <a:spAutoFit/>
+              </a:bodyPr>
+              <a:lstStyle/>
+              <a:p>
+                <a:r>
+                  <a:rPr lang="en-US" altLang="zh-TW" sz="1200" dirty="0"/>
+                  <a:t>signal_2</a:t>
+                </a:r>
+                <a:endParaRPr lang="zh-TW" altLang="en-US" sz="1200" dirty="0"/>
+              </a:p>
+            </p:txBody>
+          </p:sp>
+          <p:cxnSp>
+            <p:nvCxnSpPr>
+              <p:cNvPr id="54" name="直線單箭頭接點 53">
+                <a:extLst>
+                  <a:ext uri="{FF2B5EF4-FFF2-40B4-BE49-F238E27FC236}">
+                    <a16:creationId xmlns:a16="http://schemas.microsoft.com/office/drawing/2014/main" id="{3A6C72DF-8FD3-BE5D-D9D2-0939136B2471}"/>
+                  </a:ext>
+                </a:extLst>
+              </p:cNvPr>
+              <p:cNvCxnSpPr>
+                <a:cxnSpLocks/>
+              </p:cNvCxnSpPr>
+              <p:nvPr/>
+            </p:nvCxnSpPr>
+            <p:spPr>
+              <a:xfrm flipV="1">
+                <a:off x="7876163" y="2338410"/>
+                <a:ext cx="756000" cy="1"/>
+              </a:xfrm>
+              <a:prstGeom prst="straightConnector1">
+                <a:avLst/>
+              </a:prstGeom>
+              <a:ln>
+                <a:tailEnd type="triangle"/>
+              </a:ln>
+            </p:spPr>
+            <p:style>
+              <a:lnRef idx="2">
+                <a:schemeClr val="accent1"/>
+              </a:lnRef>
+              <a:fillRef idx="0">
+                <a:schemeClr val="accent1"/>
+              </a:fillRef>
+              <a:effectRef idx="1">
+                <a:schemeClr val="accent1"/>
+              </a:effectRef>
+              <a:fontRef idx="minor">
+                <a:schemeClr val="tx1"/>
+              </a:fontRef>
+            </p:style>
+          </p:cxnSp>
+        </p:grpSp>
+      </p:grpSp>
+      <p:sp>
+        <p:nvSpPr>
+          <p:cNvPr id="55" name="文字方塊 54">
+            <a:extLst>
+              <a:ext uri="{FF2B5EF4-FFF2-40B4-BE49-F238E27FC236}">
+                <a16:creationId xmlns:a16="http://schemas.microsoft.com/office/drawing/2014/main" id="{9A7EB6E5-04DF-F595-18C0-EB49E3AFD08E}"/>
+              </a:ext>
+            </a:extLst>
+          </p:cNvPr>
+          <p:cNvSpPr txBox="1"/>
+          <p:nvPr/>
+        </p:nvSpPr>
+        <p:spPr>
+          <a:xfrm>
+            <a:off x="397566" y="187776"/>
+            <a:ext cx="1534394" cy="369332"/>
+          </a:xfrm>
+          <a:prstGeom prst="rect">
+            <a:avLst/>
+          </a:prstGeom>
+          <a:noFill/>
+        </p:spPr>
+        <p:txBody>
+          <a:bodyPr wrap="none" rtlCol="0">
+            <a:spAutoFit/>
+          </a:bodyPr>
+          <a:lstStyle/>
+          <a:p>
+            <a:r>
+              <a:rPr lang="en-US" altLang="zh-TW" u="sng" dirty="0"/>
+              <a:t>GUI </a:t>
+            </a:r>
+            <a:r>
+              <a:rPr lang="zh-TW" altLang="en-US" u="sng" dirty="0"/>
+              <a:t>整體架構</a:t>
+            </a:r>
+          </a:p>
+        </p:txBody>
+      </p:sp>
+      <p:sp>
+        <p:nvSpPr>
+          <p:cNvPr id="58" name="文字方塊 57">
+            <a:extLst>
+              <a:ext uri="{FF2B5EF4-FFF2-40B4-BE49-F238E27FC236}">
+                <a16:creationId xmlns:a16="http://schemas.microsoft.com/office/drawing/2014/main" id="{B0ED2532-BBC1-62A7-ED9D-1E3EDF214C45}"/>
+              </a:ext>
+            </a:extLst>
+          </p:cNvPr>
+          <p:cNvSpPr txBox="1"/>
+          <p:nvPr/>
+        </p:nvSpPr>
+        <p:spPr>
+          <a:xfrm>
+            <a:off x="211039" y="731726"/>
+            <a:ext cx="5153459" cy="1815882"/>
+          </a:xfrm>
+          <a:prstGeom prst="rect">
+            <a:avLst/>
+          </a:prstGeom>
+          <a:noFill/>
+        </p:spPr>
+        <p:txBody>
+          <a:bodyPr wrap="square" rtlCol="0">
+            <a:spAutoFit/>
+          </a:bodyPr>
+          <a:lstStyle/>
+          <a:p>
+            <a:r>
+              <a:rPr lang="zh-TW" altLang="en-US" sz="1600" b="1" dirty="0">
+                <a:latin typeface="微軟正黑體" panose="020B0604030504040204" pitchFamily="34" charset="-120"/>
+                <a:ea typeface="微軟正黑體" panose="020B0604030504040204" pitchFamily="34" charset="-120"/>
+              </a:rPr>
+              <a:t>多執行緒異步架構 </a:t>
+            </a:r>
+            <a:r>
+              <a:rPr lang="en-US" altLang="zh-TW" sz="1600" dirty="0">
+                <a:latin typeface="微軟正黑體" panose="020B0604030504040204" pitchFamily="34" charset="-120"/>
+                <a:ea typeface="微軟正黑體" panose="020B0604030504040204" pitchFamily="34" charset="-120"/>
+              </a:rPr>
+              <a:t>: </a:t>
+            </a:r>
+          </a:p>
+          <a:p>
+            <a:pPr marL="285750" indent="-285750">
+              <a:buFont typeface="Arial" panose="020B0604020202020204" pitchFamily="34" charset="0"/>
+              <a:buChar char="•"/>
+            </a:pPr>
+            <a:r>
+              <a:rPr lang="zh-TW" altLang="en-US" sz="1600" b="1" dirty="0">
+                <a:latin typeface="微軟正黑體" panose="020B0604030504040204" pitchFamily="34" charset="-120"/>
+                <a:ea typeface="微軟正黑體" panose="020B0604030504040204" pitchFamily="34" charset="-120"/>
+              </a:rPr>
+              <a:t>硬體資源解耦</a:t>
+            </a:r>
+            <a:r>
+              <a:rPr lang="zh-TW" altLang="en-US" sz="1600" dirty="0">
+                <a:latin typeface="微軟正黑體" panose="020B0604030504040204" pitchFamily="34" charset="-120"/>
+                <a:ea typeface="微軟正黑體" panose="020B0604030504040204" pitchFamily="34" charset="-120"/>
+              </a:rPr>
+              <a:t>：獨立 </a:t>
+            </a:r>
+            <a:r>
+              <a:rPr lang="en-US" altLang="zh-TW" sz="1600" dirty="0">
+                <a:latin typeface="微軟正黑體" panose="020B0604030504040204" pitchFamily="34" charset="-120"/>
+                <a:ea typeface="微軟正黑體" panose="020B0604030504040204" pitchFamily="34" charset="-120"/>
+              </a:rPr>
+              <a:t>Serial Port </a:t>
+            </a:r>
+            <a:r>
+              <a:rPr lang="zh-TW" altLang="en-US" sz="1600" dirty="0">
+                <a:latin typeface="微軟正黑體" panose="020B0604030504040204" pitchFamily="34" charset="-120"/>
+                <a:ea typeface="微軟正黑體" panose="020B0604030504040204" pitchFamily="34" charset="-120"/>
+              </a:rPr>
+              <a:t>配置專屬讀取執行緒</a:t>
+            </a:r>
+            <a:endParaRPr lang="en-US" altLang="zh-TW" sz="1600" dirty="0">
+              <a:latin typeface="微軟正黑體" panose="020B0604030504040204" pitchFamily="34" charset="-120"/>
+              <a:ea typeface="微軟正黑體" panose="020B0604030504040204" pitchFamily="34" charset="-120"/>
+            </a:endParaRPr>
+          </a:p>
+          <a:p>
+            <a:endParaRPr lang="en-US" altLang="zh-TW" sz="1600" dirty="0">
+              <a:latin typeface="微軟正黑體" panose="020B0604030504040204" pitchFamily="34" charset="-120"/>
+              <a:ea typeface="微軟正黑體" panose="020B0604030504040204" pitchFamily="34" charset="-120"/>
+            </a:endParaRPr>
+          </a:p>
+          <a:p>
+            <a:r>
+              <a:rPr lang="zh-TW" altLang="en-US" sz="1600" b="1" dirty="0">
+                <a:latin typeface="微軟正黑體" panose="020B0604030504040204" pitchFamily="34" charset="-120"/>
+                <a:ea typeface="微軟正黑體" panose="020B0604030504040204" pitchFamily="34" charset="-120"/>
+              </a:rPr>
+              <a:t>單 </a:t>
+            </a:r>
+            <a:r>
+              <a:rPr lang="en-US" altLang="zh-TW" sz="1600" b="1" dirty="0">
+                <a:latin typeface="微軟正黑體" panose="020B0604030504040204" pitchFamily="34" charset="-120"/>
+                <a:ea typeface="微軟正黑體" panose="020B0604030504040204" pitchFamily="34" charset="-120"/>
+              </a:rPr>
+              <a:t>Thread</a:t>
+            </a:r>
+            <a:r>
+              <a:rPr lang="zh-TW" altLang="en-US" sz="1600" b="1" dirty="0">
+                <a:latin typeface="微軟正黑體" panose="020B0604030504040204" pitchFamily="34" charset="-120"/>
+                <a:ea typeface="微軟正黑體" panose="020B0604030504040204" pitchFamily="34" charset="-120"/>
+              </a:rPr>
+              <a:t> 下有不同封包數據</a:t>
+            </a:r>
+            <a:r>
+              <a:rPr lang="en-US" altLang="zh-TW" sz="1600" b="1" dirty="0">
+                <a:latin typeface="微軟正黑體" panose="020B0604030504040204" pitchFamily="34" charset="-120"/>
+                <a:ea typeface="微軟正黑體" panose="020B0604030504040204" pitchFamily="34" charset="-120"/>
+              </a:rPr>
+              <a:t>:</a:t>
+            </a:r>
+            <a:r>
+              <a:rPr lang="zh-TW" altLang="en-US" sz="1600" b="1" dirty="0">
+                <a:latin typeface="微軟正黑體" panose="020B0604030504040204" pitchFamily="34" charset="-120"/>
+                <a:ea typeface="微軟正黑體" panose="020B0604030504040204" pitchFamily="34" charset="-120"/>
+              </a:rPr>
+              <a:t> </a:t>
+            </a:r>
+            <a:endParaRPr lang="en-US" altLang="zh-TW" sz="1600" b="1" dirty="0">
+              <a:latin typeface="微軟正黑體" panose="020B0604030504040204" pitchFamily="34" charset="-120"/>
+              <a:ea typeface="微軟正黑體" panose="020B0604030504040204" pitchFamily="34" charset="-120"/>
+            </a:endParaRPr>
+          </a:p>
+          <a:p>
+            <a:pPr marL="285750" indent="-285750">
+              <a:buFont typeface="Arial" panose="020B0604020202020204" pitchFamily="34" charset="0"/>
+              <a:buChar char="•"/>
+            </a:pPr>
+            <a:r>
+              <a:rPr lang="zh-TW" altLang="en-US" sz="1600" b="1" dirty="0">
+                <a:latin typeface="微軟正黑體" panose="020B0604030504040204" pitchFamily="34" charset="-120"/>
+                <a:ea typeface="微軟正黑體" panose="020B0604030504040204" pitchFamily="34" charset="-120"/>
+              </a:rPr>
+              <a:t>模組化分流</a:t>
+            </a:r>
+            <a:r>
+              <a:rPr lang="zh-TW" altLang="en-US" sz="1600" dirty="0">
+                <a:latin typeface="微軟正黑體" panose="020B0604030504040204" pitchFamily="34" charset="-120"/>
+                <a:ea typeface="微軟正黑體" panose="020B0604030504040204" pitchFamily="34" charset="-120"/>
+              </a:rPr>
+              <a:t>：透過 </a:t>
+            </a:r>
+            <a:r>
+              <a:rPr lang="en-US" altLang="zh-TW" sz="1600" dirty="0">
+                <a:latin typeface="微軟正黑體" panose="020B0604030504040204" pitchFamily="34" charset="-120"/>
+                <a:ea typeface="微軟正黑體" panose="020B0604030504040204" pitchFamily="34" charset="-120"/>
+              </a:rPr>
+              <a:t>Dispatcher </a:t>
+            </a:r>
+            <a:r>
+              <a:rPr lang="zh-TW" altLang="en-US" sz="1600" dirty="0">
+                <a:latin typeface="微軟正黑體" panose="020B0604030504040204" pitchFamily="34" charset="-120"/>
+                <a:ea typeface="微軟正黑體" panose="020B0604030504040204" pitchFamily="34" charset="-120"/>
+              </a:rPr>
+              <a:t>機制分發至各 </a:t>
+            </a:r>
+            <a:r>
+              <a:rPr lang="en-US" altLang="zh-TW" sz="1600" dirty="0">
+                <a:latin typeface="微軟正黑體" panose="020B0604030504040204" pitchFamily="34" charset="-120"/>
+                <a:ea typeface="微軟正黑體" panose="020B0604030504040204" pitchFamily="34" charset="-120"/>
+              </a:rPr>
+              <a:t>Sub-reader </a:t>
+            </a:r>
+            <a:r>
+              <a:rPr lang="zh-TW" altLang="en-US" sz="1600" dirty="0">
+                <a:latin typeface="微軟正黑體" panose="020B0604030504040204" pitchFamily="34" charset="-120"/>
+                <a:ea typeface="微軟正黑體" panose="020B0604030504040204" pitchFamily="34" charset="-120"/>
+              </a:rPr>
+              <a:t>解析</a:t>
+            </a:r>
+            <a:endParaRPr lang="en-US" altLang="zh-TW" sz="1600" b="1" dirty="0">
+              <a:latin typeface="微軟正黑體" panose="020B0604030504040204" pitchFamily="34" charset="-120"/>
+              <a:ea typeface="微軟正黑體" panose="020B0604030504040204" pitchFamily="34" charset="-120"/>
+            </a:endParaRPr>
+          </a:p>
+        </p:txBody>
+      </p:sp>
     </p:spTree>
     <p:extLst>
       <p:ext uri="{BB962C8B-B14F-4D97-AF65-F5344CB8AC3E}">
@@ -3765,10 +5697,130 @@
           <a:chExt cx="0" cy="0"/>
         </a:xfrm>
       </p:grpSpPr>
+      <p:pic>
+        <p:nvPicPr>
+          <p:cNvPr id="7" name="圖片 6" descr="一張含有 文字, 螢幕擷取畫面, 繪圖軟體, 多媒體軟體 的圖片&#10;&#10;AI 產生的內容可能不正確。">
+            <a:extLst>
+              <a:ext uri="{FF2B5EF4-FFF2-40B4-BE49-F238E27FC236}">
+                <a16:creationId xmlns:a16="http://schemas.microsoft.com/office/drawing/2014/main" id="{F5C6A2C3-80EB-4A4B-D9DD-0A2DFEE02EE5}"/>
+              </a:ext>
+            </a:extLst>
+          </p:cNvPr>
+          <p:cNvPicPr>
+            <a:picLocks noChangeAspect="1"/>
+          </p:cNvPicPr>
+          <p:nvPr/>
+        </p:nvPicPr>
+        <p:blipFill>
+          <a:blip r:embed="rId2"/>
+          <a:stretch>
+            <a:fillRect/>
+          </a:stretch>
+        </p:blipFill>
+        <p:spPr>
+          <a:xfrm>
+            <a:off x="0" y="255080"/>
+            <a:ext cx="12192000" cy="6347839"/>
+          </a:xfrm>
+          <a:prstGeom prst="rect">
+            <a:avLst/>
+          </a:prstGeom>
+        </p:spPr>
+      </p:pic>
     </p:spTree>
     <p:extLst>
       <p:ext uri="{BB962C8B-B14F-4D97-AF65-F5344CB8AC3E}">
         <p14:creationId xmlns:p14="http://schemas.microsoft.com/office/powerpoint/2010/main" val="1066250565"/>
+      </p:ext>
+    </p:extLst>
+  </p:cSld>
+  <p:clrMapOvr>
+    <a:masterClrMapping/>
+  </p:clrMapOvr>
+</p:sld>
+</file>
+
+<file path=ppt/slides/slide9.xml><?xml version="1.0" encoding="utf-8"?>
+<p:sld xmlns:a="http://schemas.openxmlformats.org/drawingml/2006/main" xmlns:r="http://schemas.openxmlformats.org/officeDocument/2006/relationships" xmlns:p="http://schemas.openxmlformats.org/presentationml/2006/main">
+  <p:cSld>
+    <p:spTree>
+      <p:nvGrpSpPr>
+        <p:cNvPr id="1" name=""/>
+        <p:cNvGrpSpPr/>
+        <p:nvPr/>
+      </p:nvGrpSpPr>
+      <p:grpSpPr>
+        <a:xfrm>
+          <a:off x="0" y="0"/>
+          <a:ext cx="0" cy="0"/>
+          <a:chOff x="0" y="0"/>
+          <a:chExt cx="0" cy="0"/>
+        </a:xfrm>
+      </p:grpSpPr>
+      <p:pic>
+        <p:nvPicPr>
+          <p:cNvPr id="5" name="圖片 4" descr="一張含有 文字, 螢幕擷取畫面, 軟體, 陳列 的圖片&#10;&#10;AI 產生的內容可能不正確。">
+            <a:extLst>
+              <a:ext uri="{FF2B5EF4-FFF2-40B4-BE49-F238E27FC236}">
+                <a16:creationId xmlns:a16="http://schemas.microsoft.com/office/drawing/2014/main" id="{4302D72D-9C72-B9BB-6F35-0B8DB64970C5}"/>
+              </a:ext>
+            </a:extLst>
+          </p:cNvPr>
+          <p:cNvPicPr>
+            <a:picLocks noChangeAspect="1"/>
+          </p:cNvPicPr>
+          <p:nvPr/>
+        </p:nvPicPr>
+        <p:blipFill>
+          <a:blip r:embed="rId2"/>
+          <a:stretch>
+            <a:fillRect/>
+          </a:stretch>
+        </p:blipFill>
+        <p:spPr>
+          <a:xfrm>
+            <a:off x="2292948" y="0"/>
+            <a:ext cx="9554174" cy="6858000"/>
+          </a:xfrm>
+          <a:prstGeom prst="rect">
+            <a:avLst/>
+          </a:prstGeom>
+        </p:spPr>
+      </p:pic>
+      <p:pic>
+        <p:nvPicPr>
+          <p:cNvPr id="7" name="圖片 6" descr="一張含有 文字, 螢幕擷取畫面, 字型, 行 的圖片&#10;&#10;AI 產生的內容可能不正確。">
+            <a:extLst>
+              <a:ext uri="{FF2B5EF4-FFF2-40B4-BE49-F238E27FC236}">
+                <a16:creationId xmlns:a16="http://schemas.microsoft.com/office/drawing/2014/main" id="{D4A2E7D6-34A2-27EA-1887-31B4A4B51E35}"/>
+              </a:ext>
+            </a:extLst>
+          </p:cNvPr>
+          <p:cNvPicPr>
+            <a:picLocks noChangeAspect="1"/>
+          </p:cNvPicPr>
+          <p:nvPr/>
+        </p:nvPicPr>
+        <p:blipFill>
+          <a:blip r:embed="rId3"/>
+          <a:stretch>
+            <a:fillRect/>
+          </a:stretch>
+        </p:blipFill>
+        <p:spPr>
+          <a:xfrm>
+            <a:off x="218322" y="1714229"/>
+            <a:ext cx="1895740" cy="905001"/>
+          </a:xfrm>
+          <a:prstGeom prst="rect">
+            <a:avLst/>
+          </a:prstGeom>
+        </p:spPr>
+      </p:pic>
+    </p:spTree>
+    <p:extLst>
+      <p:ext uri="{BB962C8B-B14F-4D97-AF65-F5344CB8AC3E}">
+        <p14:creationId xmlns:p14="http://schemas.microsoft.com/office/powerpoint/2010/main" val="2382813415"/>
       </p:ext>
     </p:extLst>
   </p:cSld>
